--- a/meetiogCall.pptx
+++ b/meetiogCall.pptx
@@ -6,11 +6,11 @@
   </p:sldMasterIdLst>
   <p:sldIdLst>
     <p:sldId id="256" r:id="rId2"/>
-    <p:sldId id="262" r:id="rId3"/>
+    <p:sldId id="264" r:id="rId3"/>
     <p:sldId id="263" r:id="rId4"/>
-    <p:sldId id="264" r:id="rId5"/>
-    <p:sldId id="257" r:id="rId6"/>
-    <p:sldId id="258" r:id="rId7"/>
+    <p:sldId id="262" r:id="rId5"/>
+    <p:sldId id="258" r:id="rId6"/>
+    <p:sldId id="257" r:id="rId7"/>
     <p:sldId id="259" r:id="rId8"/>
     <p:sldId id="260" r:id="rId9"/>
     <p:sldId id="261" r:id="rId10"/>
@@ -117,6 +117,11 @@
       </a:defRPr>
     </a:lvl9pPr>
   </p:defaultTextStyle>
+  <p:extLst>
+    <p:ext uri="{EFAFB233-063F-42B5-8137-9DF3F51BA10A}">
+      <p15:sldGuideLst xmlns:p15="http://schemas.microsoft.com/office/powerpoint/2012/main"/>
+    </p:ext>
+  </p:extLst>
 </p:presentation>
 </file>
 
@@ -251,7 +256,7 @@
           <a:p>
             <a:fld id="{2056165A-3D89-48D9-A24A-95A29D78818C}" type="datetimeFigureOut">
               <a:rPr lang="en-US" smtClean="0"/>
-              <a:t>1/5/2019</a:t>
+              <a:t>1/8/2019</a:t>
             </a:fld>
             <a:endParaRPr lang="en-US"/>
           </a:p>
@@ -421,7 +426,7 @@
           <a:p>
             <a:fld id="{2056165A-3D89-48D9-A24A-95A29D78818C}" type="datetimeFigureOut">
               <a:rPr lang="en-US" smtClean="0"/>
-              <a:t>1/5/2019</a:t>
+              <a:t>1/8/2019</a:t>
             </a:fld>
             <a:endParaRPr lang="en-US"/>
           </a:p>
@@ -601,7 +606,7 @@
           <a:p>
             <a:fld id="{2056165A-3D89-48D9-A24A-95A29D78818C}" type="datetimeFigureOut">
               <a:rPr lang="en-US" smtClean="0"/>
-              <a:t>1/5/2019</a:t>
+              <a:t>1/8/2019</a:t>
             </a:fld>
             <a:endParaRPr lang="en-US"/>
           </a:p>
@@ -771,7 +776,7 @@
           <a:p>
             <a:fld id="{2056165A-3D89-48D9-A24A-95A29D78818C}" type="datetimeFigureOut">
               <a:rPr lang="en-US" smtClean="0"/>
-              <a:t>1/5/2019</a:t>
+              <a:t>1/8/2019</a:t>
             </a:fld>
             <a:endParaRPr lang="en-US"/>
           </a:p>
@@ -1017,7 +1022,7 @@
           <a:p>
             <a:fld id="{2056165A-3D89-48D9-A24A-95A29D78818C}" type="datetimeFigureOut">
               <a:rPr lang="en-US" smtClean="0"/>
-              <a:t>1/5/2019</a:t>
+              <a:t>1/8/2019</a:t>
             </a:fld>
             <a:endParaRPr lang="en-US"/>
           </a:p>
@@ -1249,7 +1254,7 @@
           <a:p>
             <a:fld id="{2056165A-3D89-48D9-A24A-95A29D78818C}" type="datetimeFigureOut">
               <a:rPr lang="en-US" smtClean="0"/>
-              <a:t>1/5/2019</a:t>
+              <a:t>1/8/2019</a:t>
             </a:fld>
             <a:endParaRPr lang="en-US"/>
           </a:p>
@@ -1616,7 +1621,7 @@
           <a:p>
             <a:fld id="{2056165A-3D89-48D9-A24A-95A29D78818C}" type="datetimeFigureOut">
               <a:rPr lang="en-US" smtClean="0"/>
-              <a:t>1/5/2019</a:t>
+              <a:t>1/8/2019</a:t>
             </a:fld>
             <a:endParaRPr lang="en-US"/>
           </a:p>
@@ -1734,7 +1739,7 @@
           <a:p>
             <a:fld id="{2056165A-3D89-48D9-A24A-95A29D78818C}" type="datetimeFigureOut">
               <a:rPr lang="en-US" smtClean="0"/>
-              <a:t>1/5/2019</a:t>
+              <a:t>1/8/2019</a:t>
             </a:fld>
             <a:endParaRPr lang="en-US"/>
           </a:p>
@@ -1829,7 +1834,7 @@
           <a:p>
             <a:fld id="{2056165A-3D89-48D9-A24A-95A29D78818C}" type="datetimeFigureOut">
               <a:rPr lang="en-US" smtClean="0"/>
-              <a:t>1/5/2019</a:t>
+              <a:t>1/8/2019</a:t>
             </a:fld>
             <a:endParaRPr lang="en-US"/>
           </a:p>
@@ -2106,7 +2111,7 @@
           <a:p>
             <a:fld id="{2056165A-3D89-48D9-A24A-95A29D78818C}" type="datetimeFigureOut">
               <a:rPr lang="en-US" smtClean="0"/>
-              <a:t>1/5/2019</a:t>
+              <a:t>1/8/2019</a:t>
             </a:fld>
             <a:endParaRPr lang="en-US"/>
           </a:p>
@@ -2359,7 +2364,7 @@
           <a:p>
             <a:fld id="{2056165A-3D89-48D9-A24A-95A29D78818C}" type="datetimeFigureOut">
               <a:rPr lang="en-US" smtClean="0"/>
-              <a:t>1/5/2019</a:t>
+              <a:t>1/8/2019</a:t>
             </a:fld>
             <a:endParaRPr lang="en-US"/>
           </a:p>
@@ -2572,7 +2577,7 @@
           <a:p>
             <a:fld id="{2056165A-3D89-48D9-A24A-95A29D78818C}" type="datetimeFigureOut">
               <a:rPr lang="en-US" smtClean="0"/>
-              <a:t>1/5/2019</a:t>
+              <a:t>1/8/2019</a:t>
             </a:fld>
             <a:endParaRPr lang="en-US"/>
           </a:p>
@@ -3208,7 +3213,7 @@
         </p:blipFill>
         <p:spPr>
           <a:xfrm>
-            <a:off x="491319" y="1542197"/>
+            <a:off x="373754" y="1542197"/>
             <a:ext cx="11313993" cy="5199797"/>
           </a:xfrm>
           <a:prstGeom prst="rect">
@@ -3499,8 +3504,8 @@
         </p:nvSpPr>
         <p:spPr>
           <a:xfrm>
-            <a:off x="748048" y="171943"/>
-            <a:ext cx="10515600" cy="600790"/>
+            <a:off x="838200" y="365125"/>
+            <a:ext cx="10515600" cy="639427"/>
           </a:xfrm>
         </p:spPr>
         <p:txBody>
@@ -3512,7 +3517,7 @@
             <a:pPr algn="ctr"/>
             <a:r>
               <a:rPr lang="en-US" dirty="0" smtClean="0"/>
-              <a:t>Entity Relationship Diagram </a:t>
+              <a:t>Brain Storming</a:t>
             </a:r>
             <a:endParaRPr lang="en-US" dirty="0"/>
           </a:p>
@@ -3540,8 +3545,8 @@
         </p:blipFill>
         <p:spPr>
           <a:xfrm>
-            <a:off x="914400" y="911449"/>
-            <a:ext cx="10200068" cy="5734050"/>
+            <a:off x="592428" y="1340408"/>
+            <a:ext cx="10908405" cy="5099029"/>
           </a:xfrm>
           <a:prstGeom prst="rect">
             <a:avLst/>
@@ -3551,7 +3556,7 @@
     </p:spTree>
     <p:extLst>
       <p:ext uri="{BB962C8B-B14F-4D97-AF65-F5344CB8AC3E}">
-        <p14:creationId xmlns:p14="http://schemas.microsoft.com/office/powerpoint/2010/main" val="918482679"/>
+        <p14:creationId xmlns:p14="http://schemas.microsoft.com/office/powerpoint/2010/main" val="2387022429"/>
       </p:ext>
     </p:extLst>
   </p:cSld>
@@ -3681,8 +3686,8 @@
         </p:nvSpPr>
         <p:spPr>
           <a:xfrm>
-            <a:off x="838200" y="365125"/>
-            <a:ext cx="10515600" cy="639427"/>
+            <a:off x="748048" y="171943"/>
+            <a:ext cx="10515600" cy="600790"/>
           </a:xfrm>
         </p:spPr>
         <p:txBody>
@@ -3694,7 +3699,7 @@
             <a:pPr algn="ctr"/>
             <a:r>
               <a:rPr lang="en-US" dirty="0" smtClean="0"/>
-              <a:t>Brain Storming</a:t>
+              <a:t>Entity Relationship Diagram </a:t>
             </a:r>
             <a:endParaRPr lang="en-US" dirty="0"/>
           </a:p>
@@ -3722,8 +3727,8 @@
         </p:blipFill>
         <p:spPr>
           <a:xfrm>
-            <a:off x="592428" y="1340408"/>
-            <a:ext cx="10908405" cy="5099029"/>
+            <a:off x="914400" y="911449"/>
+            <a:ext cx="10200068" cy="5734050"/>
           </a:xfrm>
           <a:prstGeom prst="rect">
             <a:avLst/>
@@ -3733,7 +3738,7 @@
     </p:spTree>
     <p:extLst>
       <p:ext uri="{BB962C8B-B14F-4D97-AF65-F5344CB8AC3E}">
-        <p14:creationId xmlns:p14="http://schemas.microsoft.com/office/powerpoint/2010/main" val="2387022429"/>
+        <p14:creationId xmlns:p14="http://schemas.microsoft.com/office/powerpoint/2010/main" val="918482679"/>
       </p:ext>
     </p:extLst>
   </p:cSld>
@@ -3772,8 +3777,8 @@
         </p:nvSpPr>
         <p:spPr>
           <a:xfrm>
-            <a:off x="838200" y="365125"/>
-            <a:ext cx="10515600" cy="755337"/>
+            <a:off x="696532" y="159063"/>
+            <a:ext cx="10515600" cy="845489"/>
           </a:xfrm>
         </p:spPr>
         <p:txBody>
@@ -3783,7 +3788,7 @@
             <a:pPr algn="ctr"/>
             <a:r>
               <a:rPr lang="en-US" dirty="0" smtClean="0"/>
-              <a:t>Registration</a:t>
+              <a:t>Login</a:t>
             </a:r>
             <a:endParaRPr lang="en-US" dirty="0"/>
           </a:p>
@@ -3811,8 +3816,8 @@
         </p:blipFill>
         <p:spPr>
           <a:xfrm>
-            <a:off x="450762" y="1249251"/>
-            <a:ext cx="10702342" cy="5346811"/>
+            <a:off x="1492675" y="1004552"/>
+            <a:ext cx="9505883" cy="6263354"/>
           </a:xfrm>
           <a:prstGeom prst="rect">
             <a:avLst/>
@@ -3822,7 +3827,7 @@
     </p:spTree>
     <p:extLst>
       <p:ext uri="{BB962C8B-B14F-4D97-AF65-F5344CB8AC3E}">
-        <p14:creationId xmlns:p14="http://schemas.microsoft.com/office/powerpoint/2010/main" val="4136604032"/>
+        <p14:creationId xmlns:p14="http://schemas.microsoft.com/office/powerpoint/2010/main" val="1988136126"/>
       </p:ext>
     </p:extLst>
   </p:cSld>
@@ -3861,8 +3866,8 @@
         </p:nvSpPr>
         <p:spPr>
           <a:xfrm>
-            <a:off x="696532" y="159063"/>
-            <a:ext cx="10515600" cy="845489"/>
+            <a:off x="838200" y="365125"/>
+            <a:ext cx="10515600" cy="755337"/>
           </a:xfrm>
         </p:spPr>
         <p:txBody>
@@ -3872,7 +3877,7 @@
             <a:pPr algn="ctr"/>
             <a:r>
               <a:rPr lang="en-US" dirty="0" smtClean="0"/>
-              <a:t>Login</a:t>
+              <a:t>Registration</a:t>
             </a:r>
             <a:endParaRPr lang="en-US" dirty="0"/>
           </a:p>
@@ -3900,8 +3905,8 @@
         </p:blipFill>
         <p:spPr>
           <a:xfrm>
-            <a:off x="1492675" y="1004552"/>
-            <a:ext cx="9505883" cy="6263354"/>
+            <a:off x="450762" y="1249251"/>
+            <a:ext cx="10702342" cy="5346811"/>
           </a:xfrm>
           <a:prstGeom prst="rect">
             <a:avLst/>
@@ -3911,7 +3916,7 @@
     </p:spTree>
     <p:extLst>
       <p:ext uri="{BB962C8B-B14F-4D97-AF65-F5344CB8AC3E}">
-        <p14:creationId xmlns:p14="http://schemas.microsoft.com/office/powerpoint/2010/main" val="1988136126"/>
+        <p14:creationId xmlns:p14="http://schemas.microsoft.com/office/powerpoint/2010/main" val="4136604032"/>
       </p:ext>
     </p:extLst>
   </p:cSld>
